--- a/答辩.pptx
+++ b/答辩.pptx
@@ -231,7 +231,7 @@
             <a:fld id="{915CA9C5-7EA0-4D9C-B9C0-3ECAE44BE918}" type="datetimeFigureOut">
               <a:rPr lang="zh-CN" altLang="en-US" smtClean="0"/>
               <a:pPr/>
-              <a:t>2021/5/16</a:t>
+              <a:t>2021/5/26</a:t>
             </a:fld>
             <a:endParaRPr lang="zh-CN" altLang="en-US" dirty="0"/>
           </a:p>
@@ -3143,7 +3143,7 @@
           <a:p>
             <a:fld id="{4BCD24AF-367D-4F7B-BCBC-AB4AF3EE44F1}" type="datetimeFigureOut">
               <a:rPr lang="zh-CN" altLang="en-US" smtClean="0"/>
-              <a:t>2021/5/16</a:t>
+              <a:t>2021/5/26</a:t>
             </a:fld>
             <a:endParaRPr lang="zh-CN" altLang="en-US"/>
           </a:p>
@@ -3323,7 +3323,7 @@
           <a:p>
             <a:fld id="{4BCD24AF-367D-4F7B-BCBC-AB4AF3EE44F1}" type="datetimeFigureOut">
               <a:rPr lang="zh-CN" altLang="en-US" smtClean="0"/>
-              <a:t>2021/5/16</a:t>
+              <a:t>2021/5/26</a:t>
             </a:fld>
             <a:endParaRPr lang="zh-CN" altLang="en-US"/>
           </a:p>
@@ -3513,7 +3513,7 @@
           <a:p>
             <a:fld id="{4BCD24AF-367D-4F7B-BCBC-AB4AF3EE44F1}" type="datetimeFigureOut">
               <a:rPr lang="zh-CN" altLang="en-US" smtClean="0"/>
-              <a:t>2021/5/16</a:t>
+              <a:t>2021/5/26</a:t>
             </a:fld>
             <a:endParaRPr lang="zh-CN" altLang="en-US"/>
           </a:p>
@@ -3796,7 +3796,7 @@
           <a:p>
             <a:fld id="{9CAE4E7C-442E-4252-8F73-431B51547955}" type="datetimeFigureOut">
               <a:rPr lang="zh-CN" altLang="en-US" smtClean="0"/>
-              <a:t>2021/5/16</a:t>
+              <a:t>2021/5/26</a:t>
             </a:fld>
             <a:endParaRPr lang="zh-CN" altLang="en-US"/>
           </a:p>
@@ -3964,7 +3964,7 @@
           <a:p>
             <a:fld id="{4BCD24AF-367D-4F7B-BCBC-AB4AF3EE44F1}" type="datetimeFigureOut">
               <a:rPr lang="zh-CN" altLang="en-US" smtClean="0"/>
-              <a:t>2021/5/16</a:t>
+              <a:t>2021/5/26</a:t>
             </a:fld>
             <a:endParaRPr lang="zh-CN" altLang="en-US"/>
           </a:p>
@@ -4221,7 +4221,7 @@
           <a:p>
             <a:fld id="{4BCD24AF-367D-4F7B-BCBC-AB4AF3EE44F1}" type="datetimeFigureOut">
               <a:rPr lang="zh-CN" altLang="en-US" smtClean="0"/>
-              <a:t>2021/5/16</a:t>
+              <a:t>2021/5/26</a:t>
             </a:fld>
             <a:endParaRPr lang="zh-CN" altLang="en-US"/>
           </a:p>
@@ -4462,7 +4462,7 @@
           <a:p>
             <a:fld id="{4BCD24AF-367D-4F7B-BCBC-AB4AF3EE44F1}" type="datetimeFigureOut">
               <a:rPr lang="zh-CN" altLang="en-US" smtClean="0"/>
-              <a:t>2021/5/16</a:t>
+              <a:t>2021/5/26</a:t>
             </a:fld>
             <a:endParaRPr lang="zh-CN" altLang="en-US"/>
           </a:p>
@@ -4838,7 +4838,7 @@
           <a:p>
             <a:fld id="{4BCD24AF-367D-4F7B-BCBC-AB4AF3EE44F1}" type="datetimeFigureOut">
               <a:rPr lang="zh-CN" altLang="en-US" smtClean="0"/>
-              <a:t>2021/5/16</a:t>
+              <a:t>2021/5/26</a:t>
             </a:fld>
             <a:endParaRPr lang="zh-CN" altLang="en-US"/>
           </a:p>
@@ -4967,7 +4967,7 @@
           <a:p>
             <a:fld id="{4BCD24AF-367D-4F7B-BCBC-AB4AF3EE44F1}" type="datetimeFigureOut">
               <a:rPr lang="zh-CN" altLang="en-US" smtClean="0"/>
-              <a:t>2021/5/16</a:t>
+              <a:t>2021/5/26</a:t>
             </a:fld>
             <a:endParaRPr lang="zh-CN" altLang="en-US"/>
           </a:p>
@@ -5074,7 +5074,7 @@
           <a:p>
             <a:fld id="{4BCD24AF-367D-4F7B-BCBC-AB4AF3EE44F1}" type="datetimeFigureOut">
               <a:rPr lang="zh-CN" altLang="en-US" smtClean="0"/>
-              <a:t>2021/5/16</a:t>
+              <a:t>2021/5/26</a:t>
             </a:fld>
             <a:endParaRPr lang="zh-CN" altLang="en-US"/>
           </a:p>
@@ -5361,7 +5361,7 @@
           <a:p>
             <a:fld id="{4BCD24AF-367D-4F7B-BCBC-AB4AF3EE44F1}" type="datetimeFigureOut">
               <a:rPr lang="zh-CN" altLang="en-US" smtClean="0"/>
-              <a:t>2021/5/16</a:t>
+              <a:t>2021/5/26</a:t>
             </a:fld>
             <a:endParaRPr lang="zh-CN" altLang="en-US"/>
           </a:p>
@@ -5625,7 +5625,7 @@
           <a:p>
             <a:fld id="{4BCD24AF-367D-4F7B-BCBC-AB4AF3EE44F1}" type="datetimeFigureOut">
               <a:rPr lang="zh-CN" altLang="en-US" smtClean="0"/>
-              <a:t>2021/5/16</a:t>
+              <a:t>2021/5/26</a:t>
             </a:fld>
             <a:endParaRPr lang="zh-CN" altLang="en-US"/>
           </a:p>
@@ -5850,7 +5850,7 @@
             <a:fld id="{4BCD24AF-367D-4F7B-BCBC-AB4AF3EE44F1}" type="datetimeFigureOut">
               <a:rPr lang="zh-CN" altLang="en-US" smtClean="0"/>
               <a:pPr/>
-              <a:t>2021/5/16</a:t>
+              <a:t>2021/5/26</a:t>
             </a:fld>
             <a:endParaRPr lang="zh-CN" altLang="en-US" dirty="0"/>
           </a:p>
@@ -34294,11 +34294,11 @@
   <p:clrMapOvr>
     <a:masterClrMapping/>
   </p:clrMapOvr>
-  <mc:AlternateContent xmlns:mc="http://schemas.openxmlformats.org/markup-compatibility/2006">
-    <mc:Choice xmlns:p14="http://schemas.microsoft.com/office/powerpoint/2010/main" Requires="p14">
+  <mc:AlternateContent xmlns:mc="http://schemas.openxmlformats.org/markup-compatibility/2006" xmlns:p14="http://schemas.microsoft.com/office/powerpoint/2010/main">
+    <mc:Choice Requires="p14">
       <p:transition p14:dur="0" advTm="1000"/>
     </mc:Choice>
-    <mc:Fallback>
+    <mc:Fallback xmlns="">
       <p:transition advTm="1000"/>
     </mc:Fallback>
   </mc:AlternateContent>
@@ -34704,8 +34704,8 @@
           </a:p>
         </p:txBody>
       </p:sp>
-      <mc:AlternateContent xmlns:mc="http://schemas.openxmlformats.org/markup-compatibility/2006">
-        <mc:Choice xmlns:a14="http://schemas.microsoft.com/office/drawing/2010/main" Requires="a14">
+      <mc:AlternateContent xmlns:mc="http://schemas.openxmlformats.org/markup-compatibility/2006" xmlns:a14="http://schemas.microsoft.com/office/drawing/2010/main">
+        <mc:Choice Requires="a14">
           <p:sp>
             <p:nvSpPr>
               <p:cNvPr id="60" name="TextBox 28">
@@ -35202,7 +35202,7 @@
             </p:txBody>
           </p:sp>
         </mc:Choice>
-        <mc:Fallback>
+        <mc:Fallback xmlns="">
           <p:sp>
             <p:nvSpPr>
               <p:cNvPr id="60" name="TextBox 28">
@@ -35269,8 +35269,8 @@
           </p:sp>
         </mc:Fallback>
       </mc:AlternateContent>
-      <mc:AlternateContent xmlns:mc="http://schemas.openxmlformats.org/markup-compatibility/2006">
-        <mc:Choice xmlns:a14="http://schemas.microsoft.com/office/drawing/2010/main" Requires="a14">
+      <mc:AlternateContent xmlns:mc="http://schemas.openxmlformats.org/markup-compatibility/2006" xmlns:a14="http://schemas.microsoft.com/office/drawing/2010/main">
+        <mc:Choice Requires="a14">
           <p:sp>
             <p:nvSpPr>
               <p:cNvPr id="61" name="TextBox 29">
@@ -35769,7 +35769,7 @@
             </p:txBody>
           </p:sp>
         </mc:Choice>
-        <mc:Fallback>
+        <mc:Fallback xmlns="">
           <p:sp>
             <p:nvSpPr>
               <p:cNvPr id="61" name="TextBox 29">
@@ -36113,11 +36113,11 @@
   <p:clrMapOvr>
     <a:masterClrMapping/>
   </p:clrMapOvr>
-  <mc:AlternateContent xmlns:mc="http://schemas.openxmlformats.org/markup-compatibility/2006">
-    <mc:Choice xmlns:p14="http://schemas.microsoft.com/office/powerpoint/2010/main" Requires="p14">
+  <mc:AlternateContent xmlns:mc="http://schemas.openxmlformats.org/markup-compatibility/2006" xmlns:p14="http://schemas.microsoft.com/office/powerpoint/2010/main">
+    <mc:Choice Requires="p14">
       <p:transition p14:dur="10"/>
     </mc:Choice>
-    <mc:Fallback>
+    <mc:Fallback xmlns="">
       <p:transition/>
     </mc:Fallback>
   </mc:AlternateContent>
